--- a/starter-template.pptx
+++ b/starter-template.pptx
@@ -8,7 +8,7 @@
     <p:sldMasterId id="2147483697" r:id="rId4"/>
   </p:sldMasterIdLst>
   <p:notesMasterIdLst>
-    <p:notesMasterId r:id="rId30"/>
+    <p:notesMasterId r:id="rId31"/>
   </p:notesMasterIdLst>
   <p:sldIdLst>
     <p:sldId id="256" r:id="rId5"/>
@@ -34,32 +34,33 @@
     <p:sldId id="276" r:id="rId25"/>
     <p:sldId id="279" r:id="rId26"/>
     <p:sldId id="280" r:id="rId27"/>
-    <p:sldId id="277" r:id="rId28"/>
-    <p:sldId id="278" r:id="rId29"/>
+    <p:sldId id="281" r:id="rId28"/>
+    <p:sldId id="277" r:id="rId29"/>
+    <p:sldId id="278" r:id="rId30"/>
   </p:sldIdLst>
   <p:sldSz cx="7772400" cy="10058400"/>
   <p:notesSz cx="6858000" cy="9144000"/>
   <p:embeddedFontLst>
     <p:embeddedFont>
       <p:font typeface="Helvetica Neue" panose="020B0604020202020204" charset="0"/>
-      <p:regular r:id="rId31"/>
-      <p:bold r:id="rId32"/>
-      <p:italic r:id="rId33"/>
-      <p:boldItalic r:id="rId34"/>
+      <p:regular r:id="rId32"/>
+      <p:bold r:id="rId33"/>
+      <p:italic r:id="rId34"/>
+      <p:boldItalic r:id="rId35"/>
     </p:embeddedFont>
     <p:embeddedFont>
       <p:font typeface="Open Sans" panose="020B0606030504020204" pitchFamily="34" charset="0"/>
-      <p:regular r:id="rId35"/>
-      <p:bold r:id="rId36"/>
-      <p:italic r:id="rId37"/>
-      <p:boldItalic r:id="rId38"/>
+      <p:regular r:id="rId36"/>
+      <p:bold r:id="rId37"/>
+      <p:italic r:id="rId38"/>
+      <p:boldItalic r:id="rId39"/>
     </p:embeddedFont>
     <p:embeddedFont>
       <p:font typeface="Open Sans Light" panose="020B0306030504020204" pitchFamily="34" charset="0"/>
-      <p:regular r:id="rId39"/>
-      <p:bold r:id="rId40"/>
-      <p:italic r:id="rId41"/>
-      <p:boldItalic r:id="rId42"/>
+      <p:regular r:id="rId40"/>
+      <p:bold r:id="rId41"/>
+      <p:italic r:id="rId42"/>
+      <p:boldItalic r:id="rId43"/>
     </p:embeddedFont>
   </p:embeddedFontLst>
   <p:defaultTextStyle>
@@ -2435,6 +2436,67 @@
 </file>
 
 <file path=ppt/notesSlides/notesSlide24.xml><?xml version="1.0" encoding="utf-8"?>
+<p:notes xmlns:a="http://schemas.openxmlformats.org/drawingml/2006/main" xmlns:r="http://schemas.openxmlformats.org/officeDocument/2006/relationships" xmlns:p="http://schemas.openxmlformats.org/presentationml/2006/main">
+  <p:cSld>
+    <p:spTree>
+      <p:nvGrpSpPr>
+        <p:cNvPr id="1" name=""/>
+        <p:cNvGrpSpPr/>
+        <p:nvPr/>
+      </p:nvGrpSpPr>
+      <p:grpSpPr>
+        <a:xfrm>
+          <a:off x="0" y="0"/>
+          <a:ext cx="0" cy="0"/>
+          <a:chOff x="0" y="0"/>
+          <a:chExt cx="0" cy="0"/>
+        </a:xfrm>
+      </p:grpSpPr>
+      <p:sp>
+        <p:nvSpPr>
+          <p:cNvPr id="2" name="Slide Image Placeholder 1"/>
+          <p:cNvSpPr>
+            <a:spLocks noGrp="1" noRot="1" noChangeAspect="1"/>
+          </p:cNvSpPr>
+          <p:nvPr>
+            <p:ph type="sldImg"/>
+          </p:nvPr>
+        </p:nvSpPr>
+        <p:spPr/>
+      </p:sp>
+      <p:sp>
+        <p:nvSpPr>
+          <p:cNvPr id="3" name="Notes Placeholder 2"/>
+          <p:cNvSpPr>
+            <a:spLocks noGrp="1"/>
+          </p:cNvSpPr>
+          <p:nvPr>
+            <p:ph type="body" idx="1"/>
+          </p:nvPr>
+        </p:nvSpPr>
+        <p:spPr/>
+        <p:txBody>
+          <a:bodyPr/>
+          <a:lstStyle/>
+          <a:p>
+            <a:endParaRPr lang="en-US" dirty="0"/>
+          </a:p>
+        </p:txBody>
+      </p:sp>
+    </p:spTree>
+    <p:extLst>
+      <p:ext uri="{BB962C8B-B14F-4D97-AF65-F5344CB8AC3E}">
+        <p14:creationId xmlns:p14="http://schemas.microsoft.com/office/powerpoint/2010/main" val="3178722717"/>
+      </p:ext>
+    </p:extLst>
+  </p:cSld>
+  <p:clrMapOvr>
+    <a:masterClrMapping/>
+  </p:clrMapOvr>
+</p:notes>
+</file>
+
+<file path=ppt/notesSlides/notesSlide25.xml><?xml version="1.0" encoding="utf-8"?>
 <p:notes xmlns:a="http://schemas.openxmlformats.org/drawingml/2006/main" xmlns:r="http://schemas.openxmlformats.org/officeDocument/2006/relationships" xmlns:p="http://schemas.openxmlformats.org/presentationml/2006/main" showMasterSp="0" showMasterPhAnim="0">
   <p:cSld>
     <p:spTree>
@@ -2542,7 +2604,7 @@
 </p:notes>
 </file>
 
-<file path=ppt/notesSlides/notesSlide25.xml><?xml version="1.0" encoding="utf-8"?>
+<file path=ppt/notesSlides/notesSlide26.xml><?xml version="1.0" encoding="utf-8"?>
 <p:notes xmlns:a="http://schemas.openxmlformats.org/drawingml/2006/main" xmlns:r="http://schemas.openxmlformats.org/officeDocument/2006/relationships" xmlns:p="http://schemas.openxmlformats.org/presentationml/2006/main" showMasterSp="0" showMasterPhAnim="0">
   <p:cSld>
     <p:spTree>
@@ -31466,7 +31528,7 @@
               <a:buNone/>
             </a:pPr>
             <a:r>
-              <a:rPr lang="en" sz="1600" b="1" dirty="0">
+              <a:rPr lang="en-US" sz="1600" b="1" dirty="0">
                 <a:solidFill>
                   <a:srgbClr val="525C65"/>
                 </a:solidFill>
@@ -31478,7 +31540,7 @@
                 <a:cs typeface="Open Sans"/>
                 <a:sym typeface="Open Sans"/>
               </a:rPr>
-              <a:t>Data Quality Management</a:t>
+              <a:t>Data Governance Leader / Data Steward</a:t>
             </a:r>
           </a:p>
           <a:p>
@@ -31507,37 +31569,7 @@
                 <a:cs typeface="Open Sans"/>
                 <a:sym typeface="Open Sans"/>
               </a:rPr>
-              <a:t>Data Quality Management is crucial to maintaining the integrity and accuracy of the company's data. This involves establishing standards for data entry, conducting regular data audits, and addressing data quality issues promptly. Jessica's expertise as a senior business analyst and her deep understanding of </a:t>
-            </a:r>
-            <a:r>
-              <a:rPr lang="en-US" sz="1600" dirty="0" err="1">
-                <a:solidFill>
-                  <a:srgbClr val="525C65"/>
-                </a:solidFill>
-                <a:highlight>
-                  <a:srgbClr val="FFFFFF"/>
-                </a:highlight>
-                <a:latin typeface="Open Sans"/>
-                <a:ea typeface="Open Sans"/>
-                <a:cs typeface="Open Sans"/>
-                <a:sym typeface="Open Sans"/>
-              </a:rPr>
-              <a:t>SneakerPark's</a:t>
-            </a:r>
-            <a:r>
-              <a:rPr lang="en-US" sz="1600" dirty="0">
-                <a:solidFill>
-                  <a:srgbClr val="525C65"/>
-                </a:solidFill>
-                <a:highlight>
-                  <a:srgbClr val="FFFFFF"/>
-                </a:highlight>
-                <a:latin typeface="Open Sans"/>
-                <a:ea typeface="Open Sans"/>
-                <a:cs typeface="Open Sans"/>
-                <a:sym typeface="Open Sans"/>
-              </a:rPr>
-              <a:t> data make her well-suited for a leadership role in this aspect, although her workload may need to be adjusted to allow her to focus on these responsibilities.</a:t>
+              <a:t>Firstly, the role of Data Governance Leader or Data Steward is crucial for establishing and maintaining data governance policies and procedures. I will be responsible for ensuring data integrity, managing data standards, and overseeing compliance with data governance policies. My expertise and leadership in data governance will be pivotal in driving the initiative forward and ensuring alignment with the company's goals.</a:t>
             </a:r>
           </a:p>
           <a:p>
@@ -31553,7 +31585,7 @@
               </a:spcAft>
               <a:buNone/>
             </a:pPr>
-            <a:endParaRPr lang="en" sz="1600" dirty="0">
+            <a:endParaRPr lang="en-US" sz="1600" dirty="0">
               <a:solidFill>
                 <a:srgbClr val="525C65"/>
               </a:solidFill>
@@ -31580,7 +31612,7 @@
               <a:buNone/>
             </a:pPr>
             <a:r>
-              <a:rPr lang="en" sz="1600" b="1" dirty="0">
+              <a:rPr lang="en-US" sz="1600" b="1" dirty="0">
                 <a:solidFill>
                   <a:srgbClr val="525C65"/>
                 </a:solidFill>
@@ -31592,7 +31624,7 @@
                 <a:cs typeface="Open Sans"/>
                 <a:sym typeface="Open Sans"/>
               </a:rPr>
-              <a:t>Metadata Management</a:t>
+              <a:t>IT Administrator</a:t>
             </a:r>
           </a:p>
           <a:p>
@@ -31621,7 +31653,7 @@
                 <a:cs typeface="Open Sans"/>
                 <a:sym typeface="Open Sans"/>
               </a:rPr>
-              <a:t>Metadata Management is essential for providing a clear and comprehensive understanding of the data assets within </a:t>
+              <a:t>Secondly, the IT Administrator role is essential for managing the technical infrastructure that supports data management. This includes database administration, data security, and ensuring the availability and performance of data systems. Jake's background in IT support and his experience with administering </a:t>
             </a:r>
             <a:r>
               <a:rPr lang="en-US" sz="1600" dirty="0" err="1">
@@ -31636,7 +31668,7 @@
                 <a:cs typeface="Open Sans"/>
                 <a:sym typeface="Open Sans"/>
               </a:rPr>
-              <a:t>SneakerPark</a:t>
+              <a:t>SneakerPark's</a:t>
             </a:r>
             <a:r>
               <a:rPr lang="en-US" sz="1600" dirty="0">
@@ -31651,7 +31683,7 @@
                 <a:cs typeface="Open Sans"/>
                 <a:sym typeface="Open Sans"/>
               </a:rPr>
-              <a:t>. This includes creating and maintaining a metadata repository, defining data standards, and ensuring consistent use of data definitions across the organization. Jake's background in IT support and his experience with database administration provide a solid foundation for this role. However, given the increasing complexity and the need for specialized skills, Jake may require additional training or support from new hires with specific expertise in metadata management.</a:t>
+              <a:t> databases make him a natural fit for this role. However, given the increasing complexity and the need for specialized skills, Jake might require additional training or support from new hires with specific expertise in advanced data management technologies.</a:t>
             </a:r>
           </a:p>
         </p:txBody>
@@ -31695,7 +31727,7 @@
         <p:spPr>
           <a:xfrm>
             <a:off x="457200" y="447673"/>
-            <a:ext cx="6842100" cy="8862581"/>
+            <a:ext cx="6842100" cy="8613199"/>
           </a:xfrm>
           <a:prstGeom prst="rect">
             <a:avLst/>
@@ -31724,7 +31756,7 @@
               <a:buNone/>
             </a:pPr>
             <a:r>
-              <a:rPr lang="en" sz="1600" b="1" dirty="0">
+              <a:rPr lang="en-US" sz="1600" b="1" dirty="0">
                 <a:solidFill>
                   <a:srgbClr val="525C65"/>
                 </a:solidFill>
@@ -31736,7 +31768,7 @@
                 <a:cs typeface="Open Sans"/>
                 <a:sym typeface="Open Sans"/>
               </a:rPr>
-              <a:t>MDM</a:t>
+              <a:t>Data Analyst / Subject Matter</a:t>
             </a:r>
           </a:p>
           <a:p>
@@ -31765,7 +31797,121 @@
                 <a:cs typeface="Open Sans"/>
                 <a:sym typeface="Open Sans"/>
               </a:rPr>
-              <a:t>Master Data Management (MDM) is necessary to ensure the consistency and accuracy of key business data across the organization. This involves identifying master data entities, establishing data governance policies, and implementing MDM solutions. Both Jake and Jessica have valuable skills that can contribute to this aspect, but the demands of MDM may exceed their current capabilities and availability. Therefore, it may be beneficial for </a:t>
+              <a:t>Thirdly, the Data Analyst or Subject Matter Expert role is vital for analyzing data, diagnosing issues, and providing insights that drive business decisions. Jessica's role as a senior business analyst aligns well with this position. Her deep understanding of </a:t>
+            </a:r>
+            <a:r>
+              <a:rPr lang="en-US" sz="1600" dirty="0" err="1">
+                <a:solidFill>
+                  <a:srgbClr val="525C65"/>
+                </a:solidFill>
+                <a:highlight>
+                  <a:srgbClr val="FFFFFF"/>
+                </a:highlight>
+                <a:latin typeface="Open Sans"/>
+                <a:ea typeface="Open Sans"/>
+                <a:cs typeface="Open Sans"/>
+                <a:sym typeface="Open Sans"/>
+              </a:rPr>
+              <a:t>SneakerPark's</a:t>
+            </a:r>
+            <a:r>
+              <a:rPr lang="en-US" sz="1600" dirty="0">
+                <a:solidFill>
+                  <a:srgbClr val="525C65"/>
+                </a:solidFill>
+                <a:highlight>
+                  <a:srgbClr val="FFFFFF"/>
+                </a:highlight>
+                <a:latin typeface="Open Sans"/>
+                <a:ea typeface="Open Sans"/>
+                <a:cs typeface="Open Sans"/>
+                <a:sym typeface="Open Sans"/>
+              </a:rPr>
+              <a:t> data and her analytical skills are invaluable. However, to ensure she can fully dedicate herself to this role, it might be necessary to offload some of her other responsibilities or bring in additional analysts to support her.</a:t>
+            </a:r>
+          </a:p>
+          <a:p>
+            <a:pPr marL="0" lvl="0" indent="0" algn="just" rtl="0">
+              <a:lnSpc>
+                <a:spcPct val="170000"/>
+              </a:lnSpc>
+              <a:spcBef>
+                <a:spcPts val="0"/>
+              </a:spcBef>
+              <a:spcAft>
+                <a:spcPts val="0"/>
+              </a:spcAft>
+              <a:buNone/>
+            </a:pPr>
+            <a:endParaRPr lang="en-US" sz="1600" dirty="0">
+              <a:solidFill>
+                <a:srgbClr val="525C65"/>
+              </a:solidFill>
+              <a:highlight>
+                <a:srgbClr val="FFFFFF"/>
+              </a:highlight>
+              <a:latin typeface="Open Sans"/>
+              <a:ea typeface="Open Sans"/>
+              <a:cs typeface="Open Sans"/>
+              <a:sym typeface="Open Sans"/>
+            </a:endParaRPr>
+          </a:p>
+          <a:p>
+            <a:pPr marL="0" lvl="0" indent="0" algn="just" rtl="0">
+              <a:lnSpc>
+                <a:spcPct val="170000"/>
+              </a:lnSpc>
+              <a:spcBef>
+                <a:spcPts val="0"/>
+              </a:spcBef>
+              <a:spcAft>
+                <a:spcPts val="0"/>
+              </a:spcAft>
+              <a:buNone/>
+            </a:pPr>
+            <a:r>
+              <a:rPr lang="en-US" sz="1600" b="1" dirty="0">
+                <a:solidFill>
+                  <a:srgbClr val="525C65"/>
+                </a:solidFill>
+                <a:highlight>
+                  <a:srgbClr val="FFFFFF"/>
+                </a:highlight>
+                <a:latin typeface="Open Sans"/>
+                <a:ea typeface="Open Sans"/>
+                <a:cs typeface="Open Sans"/>
+                <a:sym typeface="Open Sans"/>
+              </a:rPr>
+              <a:t>Data Architect / Data Owner</a:t>
+            </a:r>
+          </a:p>
+          <a:p>
+            <a:pPr marL="0" lvl="0" indent="0" algn="just" rtl="0">
+              <a:lnSpc>
+                <a:spcPct val="170000"/>
+              </a:lnSpc>
+              <a:spcBef>
+                <a:spcPts val="0"/>
+              </a:spcBef>
+              <a:spcAft>
+                <a:spcPts val="0"/>
+              </a:spcAft>
+              <a:buNone/>
+            </a:pPr>
+            <a:r>
+              <a:rPr lang="en-US" sz="1600" dirty="0">
+                <a:solidFill>
+                  <a:srgbClr val="525C65"/>
+                </a:solidFill>
+                <a:highlight>
+                  <a:srgbClr val="FFFFFF"/>
+                </a:highlight>
+                <a:latin typeface="Open Sans"/>
+                <a:ea typeface="Open Sans"/>
+                <a:cs typeface="Open Sans"/>
+                <a:sym typeface="Open Sans"/>
+              </a:rPr>
+              <a:t>Finally, the role of Data Architect or Data Owner is essential for designing and managing the overall data architecture and ensuring that data assets are effectively utilized. This role involves defining data models, overseeing data integration, and ensuring data consistency across the organization. While neither Jake nor Jessica has been explicitly identified in this capacity, their combined experience could contribute to this role. However, it is likely that </a:t>
             </a:r>
             <a:r>
               <a:rPr lang="en-US" sz="1600" dirty="0" err="1">
@@ -31795,7 +31941,7 @@
                 <a:cs typeface="Open Sans"/>
                 <a:sym typeface="Open Sans"/>
               </a:rPr>
-              <a:t> to consider hiring new employees with specialized MDM experience to complement the existing team.</a:t>
+              <a:t> will need to hire a dedicated Data Architect with specialized skills to fulfill these responsibilities effectively.</a:t>
             </a:r>
           </a:p>
         </p:txBody>
@@ -31814,6 +31960,83 @@
 </file>
 
 <file path=ppt/slides/slide24.xml><?xml version="1.0" encoding="utf-8"?>
+<p:sld xmlns:a="http://schemas.openxmlformats.org/drawingml/2006/main" xmlns:r="http://schemas.openxmlformats.org/officeDocument/2006/relationships" xmlns:p="http://schemas.openxmlformats.org/presentationml/2006/main">
+  <p:cSld>
+    <p:spTree>
+      <p:nvGrpSpPr>
+        <p:cNvPr id="1" name=""/>
+        <p:cNvGrpSpPr/>
+        <p:nvPr/>
+      </p:nvGrpSpPr>
+      <p:grpSpPr>
+        <a:xfrm>
+          <a:off x="0" y="0"/>
+          <a:ext cx="0" cy="0"/>
+          <a:chOff x="0" y="0"/>
+          <a:chExt cx="0" cy="0"/>
+        </a:xfrm>
+      </p:grpSpPr>
+      <p:pic>
+        <p:nvPicPr>
+          <p:cNvPr id="1026" name="Picture 2">
+            <a:extLst>
+              <a:ext uri="{FF2B5EF4-FFF2-40B4-BE49-F238E27FC236}">
+                <a16:creationId xmlns:a16="http://schemas.microsoft.com/office/drawing/2014/main" id="{193BCD6C-2876-DAA4-5BE9-BBBECDBB1A97}"/>
+              </a:ext>
+            </a:extLst>
+          </p:cNvPr>
+          <p:cNvPicPr>
+            <a:picLocks noChangeAspect="1" noChangeArrowheads="1"/>
+          </p:cNvPicPr>
+          <p:nvPr/>
+        </p:nvPicPr>
+        <p:blipFill>
+          <a:blip r:embed="rId3">
+            <a:extLst>
+              <a:ext uri="{28A0092B-C50C-407E-A947-70E740481C1C}">
+                <a14:useLocalDpi xmlns:a14="http://schemas.microsoft.com/office/drawing/2010/main" val="0"/>
+              </a:ext>
+            </a:extLst>
+          </a:blip>
+          <a:srcRect/>
+          <a:stretch>
+            <a:fillRect/>
+          </a:stretch>
+        </p:blipFill>
+        <p:spPr bwMode="auto">
+          <a:xfrm>
+            <a:off x="-793989" y="0"/>
+            <a:ext cx="11334322" cy="4715688"/>
+          </a:xfrm>
+          <a:prstGeom prst="rect">
+            <a:avLst/>
+          </a:prstGeom>
+          <a:noFill/>
+          <a:extLst>
+            <a:ext uri="{909E8E84-426E-40DD-AFC4-6F175D3DCCD1}">
+              <a14:hiddenFill xmlns:a14="http://schemas.microsoft.com/office/drawing/2010/main">
+                <a:solidFill>
+                  <a:srgbClr val="FFFFFF"/>
+                </a:solidFill>
+              </a14:hiddenFill>
+            </a:ext>
+          </a:extLst>
+        </p:spPr>
+      </p:pic>
+    </p:spTree>
+    <p:extLst>
+      <p:ext uri="{BB962C8B-B14F-4D97-AF65-F5344CB8AC3E}">
+        <p14:creationId xmlns:p14="http://schemas.microsoft.com/office/powerpoint/2010/main" val="3060547888"/>
+      </p:ext>
+    </p:extLst>
+  </p:cSld>
+  <p:clrMapOvr>
+    <a:masterClrMapping/>
+  </p:clrMapOvr>
+</p:sld>
+</file>
+
+<file path=ppt/slides/slide25.xml><?xml version="1.0" encoding="utf-8"?>
 <p:sld xmlns:a="http://schemas.openxmlformats.org/drawingml/2006/main" xmlns:r="http://schemas.openxmlformats.org/officeDocument/2006/relationships" xmlns:p="http://schemas.openxmlformats.org/presentationml/2006/main">
   <p:cSld>
     <p:bg>
@@ -31966,7 +32189,7 @@
 </p:sld>
 </file>
 
-<file path=ppt/slides/slide25.xml><?xml version="1.0" encoding="utf-8"?>
+<file path=ppt/slides/slide26.xml><?xml version="1.0" encoding="utf-8"?>
 <p:sld xmlns:a="http://schemas.openxmlformats.org/drawingml/2006/main" xmlns:r="http://schemas.openxmlformats.org/officeDocument/2006/relationships" xmlns:p="http://schemas.openxmlformats.org/presentationml/2006/main">
   <p:cSld>
     <p:spTree>
@@ -33936,10 +34159,10 @@
       </p:sp>
       <p:pic>
         <p:nvPicPr>
-          <p:cNvPr id="1026" name="Picture 2">
+          <p:cNvPr id="2" name="Picture 2">
             <a:extLst>
               <a:ext uri="{FF2B5EF4-FFF2-40B4-BE49-F238E27FC236}">
-                <a16:creationId xmlns:a16="http://schemas.microsoft.com/office/drawing/2014/main" id="{6159D8CB-0232-C708-57BA-2C061F9A748E}"/>
+                <a16:creationId xmlns:a16="http://schemas.microsoft.com/office/drawing/2014/main" id="{405A92E9-10A3-A16B-724A-802369CE1FD2}"/>
               </a:ext>
             </a:extLst>
           </p:cNvPr>
@@ -33948,7 +34171,7 @@
           </p:cNvPicPr>
           <p:nvPr/>
         </p:nvPicPr>
-        <p:blipFill>
+        <p:blipFill rotWithShape="1">
           <a:blip r:embed="rId3">
             <a:extLst>
               <a:ext uri="{28A0092B-C50C-407E-A947-70E740481C1C}">
@@ -33956,15 +34179,13 @@
               </a:ext>
             </a:extLst>
           </a:blip>
-          <a:srcRect/>
-          <a:stretch>
-            <a:fillRect/>
-          </a:stretch>
+          <a:srcRect l="4038" r="4038"/>
+          <a:stretch/>
         </p:blipFill>
         <p:spPr bwMode="auto">
           <a:xfrm>
-            <a:off x="347662" y="2259387"/>
-            <a:ext cx="7077075" cy="4410075"/>
+            <a:off x="0" y="2186421"/>
+            <a:ext cx="7772400" cy="6486524"/>
           </a:xfrm>
           <a:prstGeom prst="rect">
             <a:avLst/>
